--- a/STRV - Case Study.pptx
+++ b/STRV - Case Study.pptx
@@ -15531,6 +15531,14 @@
 <file path=ppt/slides/slide12.xml><?xml version="1.0" encoding="utf-8"?>
 <p:sld xmlns:a="http://schemas.openxmlformats.org/drawingml/2006/main" xmlns:r="http://schemas.openxmlformats.org/officeDocument/2006/relationships" xmlns:p="http://schemas.openxmlformats.org/presentationml/2006/main">
   <p:cSld>
+    <p:bg>
+      <p:bgPr>
+        <a:solidFill>
+          <a:schemeClr val="bg2"/>
+        </a:solidFill>
+        <a:effectLst/>
+      </p:bgPr>
+    </p:bg>
     <p:spTree>
       <p:nvGrpSpPr>
         <p:cNvPr id="1" name=""/>
@@ -15545,6 +15553,82 @@
           <a:chExt cx="0" cy="0"/>
         </a:xfrm>
       </p:grpSpPr>
+      <p:sp useBgFill="1">
+        <p:nvSpPr>
+          <p:cNvPr id="1031" name="Rectangle 1030">
+            <a:extLst>
+              <a:ext uri="{FF2B5EF4-FFF2-40B4-BE49-F238E27FC236}">
+                <a16:creationId xmlns:a16="http://schemas.microsoft.com/office/drawing/2014/main" id="{DB66C9CD-6BF4-44CA-8078-0BB819080761}"/>
+              </a:ext>
+              <a:ext uri="{C183D7F6-B498-43B3-948B-1728B52AA6E4}">
+                <adec:decorative xmlns:adec="http://schemas.microsoft.com/office/drawing/2017/decorative" val="1"/>
+              </a:ext>
+            </a:extLst>
+          </p:cNvPr>
+          <p:cNvSpPr>
+            <a:spLocks noGrp="1" noRot="1" noChangeAspect="1" noMove="1" noResize="1" noEditPoints="1" noAdjustHandles="1" noChangeArrowheads="1" noChangeShapeType="1" noTextEdit="1"/>
+          </p:cNvSpPr>
+          <p:nvPr>
+            <p:extLst>
+              <p:ext uri="{386F3935-93C4-4BCD-93E2-E3B085C9AB24}">
+                <p16:designElem xmlns:p16="http://schemas.microsoft.com/office/powerpoint/2015/main" val="1"/>
+              </p:ext>
+            </p:extLst>
+          </p:nvPr>
+        </p:nvSpPr>
+        <p:spPr>
+          <a:xfrm>
+            <a:off x="0" y="0"/>
+            <a:ext cx="12192000" cy="6858000"/>
+          </a:xfrm>
+          <a:prstGeom prst="rect">
+            <a:avLst/>
+          </a:prstGeom>
+          <a:ln w="12700" cap="flat" cmpd="sng" algn="ctr">
+            <a:noFill/>
+            <a:prstDash val="solid"/>
+            <a:miter lim="800000"/>
+          </a:ln>
+          <a:effectLst/>
+          <a:extLst>
+            <a:ext uri="{91240B29-F687-4F45-9708-019B960494DF}">
+              <a14:hiddenLine xmlns:a14="http://schemas.microsoft.com/office/drawing/2010/main" w="12700" cap="flat" cmpd="sng" algn="ctr">
+                <a:solidFill>
+                  <a:schemeClr val="accent1">
+                    <a:shade val="50000"/>
+                  </a:schemeClr>
+                </a:solidFill>
+                <a:prstDash val="solid"/>
+                <a:miter lim="800000"/>
+              </a14:hiddenLine>
+            </a:ext>
+          </a:extLst>
+        </p:spPr>
+        <p:style>
+          <a:lnRef idx="2">
+            <a:schemeClr val="accent1">
+              <a:shade val="50000"/>
+            </a:schemeClr>
+          </a:lnRef>
+          <a:fillRef idx="1">
+            <a:schemeClr val="accent1"/>
+          </a:fillRef>
+          <a:effectRef idx="0">
+            <a:schemeClr val="accent1"/>
+          </a:effectRef>
+          <a:fontRef idx="minor">
+            <a:schemeClr val="lt1"/>
+          </a:fontRef>
+        </p:style>
+        <p:txBody>
+          <a:bodyPr rtlCol="0" anchor="ctr"/>
+          <a:lstStyle/>
+          <a:p>
+            <a:pPr algn="ctr"/>
+            <a:endParaRPr lang="en-US"/>
+          </a:p>
+        </p:txBody>
+      </p:sp>
       <p:sp>
         <p:nvSpPr>
           <p:cNvPr id="2" name="Title 1">
@@ -15561,13 +15645,21 @@
             <p:ph type="title"/>
           </p:nvPr>
         </p:nvSpPr>
-        <p:spPr/>
+        <p:spPr>
+          <a:xfrm>
+            <a:off x="990000" y="395288"/>
+            <a:ext cx="4078800" cy="1597753"/>
+          </a:xfrm>
+        </p:spPr>
         <p:txBody>
-          <a:bodyPr/>
+          <a:bodyPr wrap="square" anchor="b">
+            <a:normAutofit/>
+          </a:bodyPr>
           <a:lstStyle/>
           <a:p>
+            <a:pPr algn="ctr"/>
             <a:r>
-              <a:rPr lang="en-CZ" sz="4000" b="1" dirty="0">
+              <a:rPr lang="en-CZ" b="1" dirty="0">
                 <a:solidFill>
                   <a:schemeClr val="tx1">
                     <a:lumMod val="75000"/>
@@ -15577,7 +15669,14 @@
                 <a:latin typeface="Avenir Next LT Pro" panose="020B0504020202020204" pitchFamily="34" charset="77"/>
                 <a:cs typeface="Times New Roman" panose="02020603050405020304" pitchFamily="18" charset="0"/>
               </a:rPr>
-              <a:t>Interactive Streamlit App</a:t>
+              <a:t>Interactive Streamlit App </a:t>
+            </a:r>
+            <a:r>
+              <a:rPr lang="en-CZ" b="1" dirty="0">
+                <a:latin typeface="Avenir Next LT Pro" panose="020B0504020202020204" pitchFamily="34" charset="77"/>
+                <a:cs typeface="Times New Roman" panose="02020603050405020304" pitchFamily="18" charset="0"/>
+              </a:rPr>
+              <a:t>🚀</a:t>
             </a:r>
           </a:p>
         </p:txBody>
@@ -15598,46 +15697,158 @@
             <p:ph idx="1"/>
           </p:nvPr>
         </p:nvSpPr>
-        <p:spPr/>
+        <p:spPr>
+          <a:xfrm>
+            <a:off x="775414" y="2893972"/>
+            <a:ext cx="4507971" cy="1067399"/>
+          </a:xfrm>
+        </p:spPr>
         <p:txBody>
-          <a:bodyPr/>
+          <a:bodyPr>
+            <a:noAutofit/>
+          </a:bodyPr>
           <a:lstStyle/>
           <a:p>
             <a:r>
-              <a:rPr lang="en-CZ" b="1" dirty="0"/>
-              <a:t>Via Local Host </a:t>
+              <a:rPr lang="en-GB" sz="2800" b="1" dirty="0">
+                <a:solidFill>
+                  <a:schemeClr val="accent4">
+                    <a:lumMod val="75000"/>
+                    <a:alpha val="60000"/>
+                  </a:schemeClr>
+                </a:solidFill>
+              </a:rPr>
+              <a:t>https://</a:t>
             </a:r>
+            <a:r>
+              <a:rPr lang="en-GB" sz="2800" b="1" dirty="0" err="1">
+                <a:solidFill>
+                  <a:schemeClr val="accent4">
+                    <a:lumMod val="75000"/>
+                    <a:alpha val="60000"/>
+                  </a:schemeClr>
+                </a:solidFill>
+              </a:rPr>
+              <a:t>strvcasestudy-hlib.streamlit.app</a:t>
+            </a:r>
+            <a:r>
+              <a:rPr lang="en-GB" sz="2800" b="1" dirty="0">
+                <a:solidFill>
+                  <a:schemeClr val="accent4">
+                    <a:lumMod val="75000"/>
+                    <a:alpha val="60000"/>
+                  </a:schemeClr>
+                </a:solidFill>
+              </a:rPr>
+              <a:t>/</a:t>
+            </a:r>
+            <a:endParaRPr lang="en-CZ" sz="2800" b="1" dirty="0">
+              <a:solidFill>
+                <a:schemeClr val="accent4">
+                  <a:lumMod val="75000"/>
+                  <a:alpha val="60000"/>
+                </a:schemeClr>
+              </a:solidFill>
+            </a:endParaRPr>
           </a:p>
         </p:txBody>
       </p:sp>
+      <p:cxnSp>
+        <p:nvCxnSpPr>
+          <p:cNvPr id="1033" name="Straight Connector 1032">
+            <a:extLst>
+              <a:ext uri="{FF2B5EF4-FFF2-40B4-BE49-F238E27FC236}">
+                <a16:creationId xmlns:a16="http://schemas.microsoft.com/office/drawing/2014/main" id="{CC9CF63D-A2A3-4ECF-BC53-4B0D56918FB4}"/>
+              </a:ext>
+              <a:ext uri="{C183D7F6-B498-43B3-948B-1728B52AA6E4}">
+                <adec:decorative xmlns:adec="http://schemas.microsoft.com/office/drawing/2017/decorative" val="1"/>
+              </a:ext>
+            </a:extLst>
+          </p:cNvPr>
+          <p:cNvCxnSpPr>
+            <a:cxnSpLocks noGrp="1" noRot="1" noChangeAspect="1" noMove="1" noResize="1" noEditPoints="1" noAdjustHandles="1" noChangeArrowheads="1" noChangeShapeType="1"/>
+          </p:cNvCxnSpPr>
+          <p:nvPr>
+            <p:extLst>
+              <p:ext uri="{386F3935-93C4-4BCD-93E2-E3B085C9AB24}">
+                <p16:designElem xmlns:p16="http://schemas.microsoft.com/office/powerpoint/2015/main" val="1"/>
+              </p:ext>
+            </p:extLst>
+          </p:nvPr>
+        </p:nvCxnSpPr>
+        <p:spPr>
+          <a:xfrm>
+            <a:off x="6096000" y="540033"/>
+            <a:ext cx="0" cy="5778000"/>
+          </a:xfrm>
+          <a:prstGeom prst="line">
+            <a:avLst/>
+          </a:prstGeom>
+          <a:ln w="12700">
+            <a:solidFill>
+              <a:srgbClr val="FFFFFF"/>
+            </a:solidFill>
+          </a:ln>
+        </p:spPr>
+        <p:style>
+          <a:lnRef idx="1">
+            <a:schemeClr val="accent1"/>
+          </a:lnRef>
+          <a:fillRef idx="0">
+            <a:schemeClr val="accent1"/>
+          </a:fillRef>
+          <a:effectRef idx="0">
+            <a:schemeClr val="accent1"/>
+          </a:effectRef>
+          <a:fontRef idx="minor">
+            <a:schemeClr val="tx1"/>
+          </a:fontRef>
+        </p:style>
+      </p:cxnSp>
       <p:pic>
         <p:nvPicPr>
-          <p:cNvPr id="4" name="Picture 3">
+          <p:cNvPr id="1026" name="Picture 2" descr="Python Tutorial: Streamlit | DataCamp">
             <a:extLst>
               <a:ext uri="{FF2B5EF4-FFF2-40B4-BE49-F238E27FC236}">
-                <a16:creationId xmlns:a16="http://schemas.microsoft.com/office/drawing/2014/main" id="{1289B06C-1F31-BB86-BF91-E377ADF17345}"/>
+                <a16:creationId xmlns:a16="http://schemas.microsoft.com/office/drawing/2014/main" id="{A9F1A553-5E4A-9997-9DCD-9D6F4660FA19}"/>
               </a:ext>
             </a:extLst>
           </p:cNvPr>
           <p:cNvPicPr>
-            <a:picLocks noChangeAspect="1"/>
+            <a:picLocks noChangeAspect="1" noChangeArrowheads="1"/>
           </p:cNvPicPr>
           <p:nvPr/>
         </p:nvPicPr>
         <p:blipFill>
-          <a:blip r:embed="rId2"/>
+          <a:blip r:embed="rId2">
+            <a:extLst>
+              <a:ext uri="{28A0092B-C50C-407E-A947-70E740481C1C}">
+                <a14:useLocalDpi xmlns:a14="http://schemas.microsoft.com/office/drawing/2010/main" val="0"/>
+              </a:ext>
+            </a:extLst>
+          </a:blip>
           <a:stretch>
             <a:fillRect/>
           </a:stretch>
         </p:blipFill>
-        <p:spPr>
+        <p:spPr bwMode="auto">
           <a:xfrm>
-            <a:off x="989400" y="2685327"/>
-            <a:ext cx="6104435" cy="2790326"/>
+            <a:off x="6651127" y="1965207"/>
+            <a:ext cx="4999885" cy="2924931"/>
           </a:xfrm>
           <a:prstGeom prst="rect">
             <a:avLst/>
           </a:prstGeom>
+          <a:noFill/>
+          <a:extLst>
+            <a:ext uri="{909E8E84-426E-40DD-AFC4-6F175D3DCCD1}">
+              <a14:hiddenFill xmlns:a14="http://schemas.microsoft.com/office/drawing/2010/main">
+                <a:solidFill>
+                  <a:srgbClr val="FFFFFF"/>
+                </a:solidFill>
+              </a14:hiddenFill>
+            </a:ext>
+          </a:extLst>
         </p:spPr>
       </p:pic>
     </p:spTree>
